--- a/Aulas/IoT/PPT/Aula 03/Aula 03.pptx
+++ b/Aulas/IoT/PPT/Aula 03/Aula 03.pptx
@@ -10,6 +10,9 @@
     <p:sldId id="268" r:id="rId4"/>
     <p:sldId id="269" r:id="rId5"/>
     <p:sldId id="271" r:id="rId6"/>
+    <p:sldId id="272" r:id="rId7"/>
+    <p:sldId id="273" r:id="rId8"/>
+    <p:sldId id="274" r:id="rId9"/>
   </p:sldIdLst>
   <p:sldSz cx="12192000" cy="6858000"/>
   <p:notesSz cx="6858000" cy="9144000"/>
@@ -267,7 +270,7 @@
           <a:p>
             <a:fld id="{8C28A28C-4C6A-46EA-90C0-4EE0B89CC5C7}" type="datetimeFigureOut">
               <a:rPr lang="en-US" smtClean="0"/>
-              <a:t>2/5/2024</a:t>
+              <a:t>3/12/2024</a:t>
             </a:fld>
             <a:endParaRPr lang="en-US" dirty="0"/>
           </a:p>
@@ -465,7 +468,7 @@
           <a:p>
             <a:fld id="{8C28A28C-4C6A-46EA-90C0-4EE0B89CC5C7}" type="datetimeFigureOut">
               <a:rPr lang="en-US" smtClean="0"/>
-              <a:t>2/5/2024</a:t>
+              <a:t>3/12/2024</a:t>
             </a:fld>
             <a:endParaRPr lang="en-US"/>
           </a:p>
@@ -673,7 +676,7 @@
           <a:p>
             <a:fld id="{8C28A28C-4C6A-46EA-90C0-4EE0B89CC5C7}" type="datetimeFigureOut">
               <a:rPr lang="en-US" smtClean="0"/>
-              <a:t>2/5/2024</a:t>
+              <a:t>3/12/2024</a:t>
             </a:fld>
             <a:endParaRPr lang="en-US"/>
           </a:p>
@@ -871,7 +874,7 @@
           <a:p>
             <a:fld id="{8C28A28C-4C6A-46EA-90C0-4EE0B89CC5C7}" type="datetimeFigureOut">
               <a:rPr lang="en-US" smtClean="0"/>
-              <a:t>2/5/2024</a:t>
+              <a:t>3/12/2024</a:t>
             </a:fld>
             <a:endParaRPr lang="en-US"/>
           </a:p>
@@ -1148,7 +1151,7 @@
           <a:p>
             <a:fld id="{8C28A28C-4C6A-46EA-90C0-4EE0B89CC5C7}" type="datetimeFigureOut">
               <a:rPr lang="en-US" smtClean="0"/>
-              <a:t>2/5/2024</a:t>
+              <a:t>3/12/2024</a:t>
             </a:fld>
             <a:endParaRPr lang="en-US"/>
           </a:p>
@@ -1413,7 +1416,7 @@
           <a:p>
             <a:fld id="{8C28A28C-4C6A-46EA-90C0-4EE0B89CC5C7}" type="datetimeFigureOut">
               <a:rPr lang="en-US" smtClean="0"/>
-              <a:t>2/5/2024</a:t>
+              <a:t>3/12/2024</a:t>
             </a:fld>
             <a:endParaRPr lang="en-US"/>
           </a:p>
@@ -1825,7 +1828,7 @@
           <a:p>
             <a:fld id="{8C28A28C-4C6A-46EA-90C0-4EE0B89CC5C7}" type="datetimeFigureOut">
               <a:rPr lang="en-US" smtClean="0"/>
-              <a:t>2/5/2024</a:t>
+              <a:t>3/12/2024</a:t>
             </a:fld>
             <a:endParaRPr lang="en-US"/>
           </a:p>
@@ -1966,7 +1969,7 @@
           <a:p>
             <a:fld id="{8C28A28C-4C6A-46EA-90C0-4EE0B89CC5C7}" type="datetimeFigureOut">
               <a:rPr lang="en-US" smtClean="0"/>
-              <a:t>2/5/2024</a:t>
+              <a:t>3/12/2024</a:t>
             </a:fld>
             <a:endParaRPr lang="en-US"/>
           </a:p>
@@ -2079,7 +2082,7 @@
           <a:p>
             <a:fld id="{8C28A28C-4C6A-46EA-90C0-4EE0B89CC5C7}" type="datetimeFigureOut">
               <a:rPr lang="en-US" smtClean="0"/>
-              <a:t>2/5/2024</a:t>
+              <a:t>3/12/2024</a:t>
             </a:fld>
             <a:endParaRPr lang="en-US"/>
           </a:p>
@@ -2392,7 +2395,7 @@
           <a:p>
             <a:fld id="{8C28A28C-4C6A-46EA-90C0-4EE0B89CC5C7}" type="datetimeFigureOut">
               <a:rPr lang="en-US" smtClean="0"/>
-              <a:t>2/5/2024</a:t>
+              <a:t>3/12/2024</a:t>
             </a:fld>
             <a:endParaRPr lang="en-US"/>
           </a:p>
@@ -2680,7 +2683,7 @@
           <a:p>
             <a:fld id="{8C28A28C-4C6A-46EA-90C0-4EE0B89CC5C7}" type="datetimeFigureOut">
               <a:rPr lang="en-US" smtClean="0"/>
-              <a:t>2/5/2024</a:t>
+              <a:t>3/12/2024</a:t>
             </a:fld>
             <a:endParaRPr lang="en-US"/>
           </a:p>
@@ -3035,7 +3038,7 @@
             <a:fld id="{8C28A28C-4C6A-46EA-90C0-4EE0B89CC5C7}" type="datetimeFigureOut">
               <a:rPr lang="en-US" smtClean="0"/>
               <a:pPr/>
-              <a:t>2/5/2024</a:t>
+              <a:t>3/12/2024</a:t>
             </a:fld>
             <a:endParaRPr lang="en-US" dirty="0"/>
           </a:p>
@@ -3599,7 +3602,7 @@
           <a:p>
             <a:r>
               <a:rPr lang="pt-BR" dirty="0"/>
-              <a:t>Primeira lei de OHM</a:t>
+              <a:t>Capacitores</a:t>
             </a:r>
           </a:p>
         </p:txBody>
@@ -5361,13 +5364,13 @@
   <p:clrMapOvr>
     <a:masterClrMapping/>
   </p:clrMapOvr>
-  <mc:AlternateContent xmlns:mc="http://schemas.openxmlformats.org/markup-compatibility/2006">
-    <mc:Choice xmlns:p159="http://schemas.microsoft.com/office/powerpoint/2015/09/main" Requires="p159">
+  <mc:AlternateContent xmlns:mc="http://schemas.openxmlformats.org/markup-compatibility/2006" xmlns:p159="http://schemas.microsoft.com/office/powerpoint/2015/09/main">
+    <mc:Choice Requires="p159">
       <p:transition xmlns:p14="http://schemas.microsoft.com/office/powerpoint/2010/main" spd="slow" p14:dur="2000">
         <p159:morph option="byObject"/>
       </p:transition>
     </mc:Choice>
-    <mc:Fallback>
+    <mc:Fallback xmlns="">
       <p:transition spd="slow">
         <p:fade/>
       </p:transition>
@@ -5995,13 +5998,13 @@
   <p:clrMapOvr>
     <a:masterClrMapping/>
   </p:clrMapOvr>
-  <mc:AlternateContent xmlns:mc="http://schemas.openxmlformats.org/markup-compatibility/2006">
-    <mc:Choice xmlns:p159="http://schemas.microsoft.com/office/powerpoint/2015/09/main" Requires="p159">
+  <mc:AlternateContent xmlns:mc="http://schemas.openxmlformats.org/markup-compatibility/2006" xmlns:p159="http://schemas.microsoft.com/office/powerpoint/2015/09/main">
+    <mc:Choice Requires="p159">
       <p:transition xmlns:p14="http://schemas.microsoft.com/office/powerpoint/2010/main" spd="slow" p14:dur="2000">
         <p159:morph option="byObject"/>
       </p:transition>
     </mc:Choice>
-    <mc:Fallback>
+    <mc:Fallback xmlns="">
       <p:transition spd="slow">
         <p:fade/>
       </p:transition>
@@ -6137,6 +6140,1146 @@
     <p:extLst>
       <p:ext uri="{BB962C8B-B14F-4D97-AF65-F5344CB8AC3E}">
         <p14:creationId xmlns:p14="http://schemas.microsoft.com/office/powerpoint/2010/main" val="2388439563"/>
+      </p:ext>
+    </p:extLst>
+  </p:cSld>
+  <p:clrMapOvr>
+    <a:masterClrMapping/>
+  </p:clrMapOvr>
+  <mc:AlternateContent xmlns:mc="http://schemas.openxmlformats.org/markup-compatibility/2006" xmlns:p159="http://schemas.microsoft.com/office/powerpoint/2015/09/main">
+    <mc:Choice Requires="p159">
+      <p:transition xmlns:p14="http://schemas.microsoft.com/office/powerpoint/2010/main" spd="slow" p14:dur="2000">
+        <p159:morph option="byObject"/>
+      </p:transition>
+    </mc:Choice>
+    <mc:Fallback xmlns="">
+      <p:transition spd="slow">
+        <p:fade/>
+      </p:transition>
+    </mc:Fallback>
+  </mc:AlternateContent>
+</p:sld>
+</file>
+
+<file path=ppt/slides/slide6.xml><?xml version="1.0" encoding="utf-8"?>
+<p:sld xmlns:a="http://schemas.openxmlformats.org/drawingml/2006/main" xmlns:r="http://schemas.openxmlformats.org/officeDocument/2006/relationships" xmlns:p="http://schemas.openxmlformats.org/presentationml/2006/main">
+  <p:cSld>
+    <p:spTree>
+      <p:nvGrpSpPr>
+        <p:cNvPr id="1" name="">
+          <a:extLst>
+            <a:ext uri="{FF2B5EF4-FFF2-40B4-BE49-F238E27FC236}">
+              <a16:creationId xmlns:a16="http://schemas.microsoft.com/office/drawing/2014/main" id="{D006EC42-B105-F249-5103-22DA85692BF9}"/>
+            </a:ext>
+          </a:extLst>
+        </p:cNvPr>
+        <p:cNvGrpSpPr/>
+        <p:nvPr/>
+      </p:nvGrpSpPr>
+      <p:grpSpPr>
+        <a:xfrm>
+          <a:off x="0" y="0"/>
+          <a:ext cx="0" cy="0"/>
+          <a:chOff x="0" y="0"/>
+          <a:chExt cx="0" cy="0"/>
+        </a:xfrm>
+      </p:grpSpPr>
+      <p:sp>
+        <p:nvSpPr>
+          <p:cNvPr id="2" name="Título 1">
+            <a:extLst>
+              <a:ext uri="{FF2B5EF4-FFF2-40B4-BE49-F238E27FC236}">
+                <a16:creationId xmlns:a16="http://schemas.microsoft.com/office/drawing/2014/main" id="{E3D8860E-DD16-3F8B-81D1-D3F110CF5BB0}"/>
+              </a:ext>
+            </a:extLst>
+          </p:cNvPr>
+          <p:cNvSpPr>
+            <a:spLocks noGrp="1"/>
+          </p:cNvSpPr>
+          <p:nvPr>
+            <p:ph type="title"/>
+          </p:nvPr>
+        </p:nvSpPr>
+        <p:spPr/>
+        <p:txBody>
+          <a:bodyPr/>
+          <a:lstStyle/>
+          <a:p>
+            <a:r>
+              <a:rPr lang="pt-BR" dirty="0"/>
+              <a:t>Conceito</a:t>
+            </a:r>
+          </a:p>
+        </p:txBody>
+      </p:sp>
+      <p:sp>
+        <p:nvSpPr>
+          <p:cNvPr id="3" name="Espaço Reservado para Conteúdo 2">
+            <a:extLst>
+              <a:ext uri="{FF2B5EF4-FFF2-40B4-BE49-F238E27FC236}">
+                <a16:creationId xmlns:a16="http://schemas.microsoft.com/office/drawing/2014/main" id="{BE6459BE-08CE-F483-39DA-D6270E3F75DE}"/>
+              </a:ext>
+            </a:extLst>
+          </p:cNvPr>
+          <p:cNvSpPr>
+            <a:spLocks noGrp="1"/>
+          </p:cNvSpPr>
+          <p:nvPr>
+            <p:ph idx="1"/>
+          </p:nvPr>
+        </p:nvSpPr>
+        <p:spPr>
+          <a:xfrm>
+            <a:off x="1077363" y="-5005871"/>
+            <a:ext cx="10300790" cy="3513514"/>
+          </a:xfrm>
+        </p:spPr>
+        <p:txBody>
+          <a:bodyPr>
+            <a:normAutofit/>
+          </a:bodyPr>
+          <a:lstStyle/>
+          <a:p>
+            <a:r>
+              <a:rPr lang="pt-BR" sz="2800" dirty="0"/>
+              <a:t>Resistores e capacitores são os componentes mais comuns nos circuitos elétricos.</a:t>
+            </a:r>
+          </a:p>
+          <a:p>
+            <a:r>
+              <a:rPr lang="pt-BR" sz="2800" dirty="0"/>
+              <a:t> Entre as principais aplicações podemos citar: Sistemas de comunicação, sistemas de potência, filtros e memória dinâmica de computadores</a:t>
+            </a:r>
+            <a:endParaRPr lang="pt-BR" sz="2000" dirty="0"/>
+          </a:p>
+        </p:txBody>
+      </p:sp>
+      <p:pic>
+        <p:nvPicPr>
+          <p:cNvPr id="8" name="Imagem 7">
+            <a:extLst>
+              <a:ext uri="{FF2B5EF4-FFF2-40B4-BE49-F238E27FC236}">
+                <a16:creationId xmlns:a16="http://schemas.microsoft.com/office/drawing/2014/main" id="{FE8B7326-191C-143A-3FD1-D64B4A5C66E3}"/>
+              </a:ext>
+            </a:extLst>
+          </p:cNvPr>
+          <p:cNvPicPr>
+            <a:picLocks noChangeAspect="1"/>
+          </p:cNvPicPr>
+          <p:nvPr/>
+        </p:nvPicPr>
+        <p:blipFill>
+          <a:blip r:embed="rId2"/>
+          <a:stretch>
+            <a:fillRect/>
+          </a:stretch>
+        </p:blipFill>
+        <p:spPr>
+          <a:xfrm>
+            <a:off x="1077362" y="2227810"/>
+            <a:ext cx="4324954" cy="4582164"/>
+          </a:xfrm>
+          <a:prstGeom prst="rect">
+            <a:avLst/>
+          </a:prstGeom>
+        </p:spPr>
+      </p:pic>
+      <p:sp>
+        <p:nvSpPr>
+          <p:cNvPr id="9" name="Espaço Reservado para Conteúdo 2">
+            <a:extLst>
+              <a:ext uri="{FF2B5EF4-FFF2-40B4-BE49-F238E27FC236}">
+                <a16:creationId xmlns:a16="http://schemas.microsoft.com/office/drawing/2014/main" id="{480E4223-D191-2AE7-CDFD-F4EE0E6C3B70}"/>
+              </a:ext>
+            </a:extLst>
+          </p:cNvPr>
+          <p:cNvSpPr txBox="1">
+            <a:spLocks/>
+          </p:cNvSpPr>
+          <p:nvPr/>
+        </p:nvSpPr>
+        <p:spPr>
+          <a:xfrm>
+            <a:off x="5326143" y="2427316"/>
+            <a:ext cx="6052009" cy="3513514"/>
+          </a:xfrm>
+          <a:prstGeom prst="rect">
+            <a:avLst/>
+          </a:prstGeom>
+        </p:spPr>
+        <p:txBody>
+          <a:bodyPr vert="horz" lIns="91440" tIns="45720" rIns="91440" bIns="45720" rtlCol="0">
+            <a:normAutofit fontScale="92500" lnSpcReduction="20000"/>
+          </a:bodyPr>
+          <a:lstStyle>
+            <a:lvl1pPr marL="228600" indent="-228600" algn="l" defTabSz="914400" rtl="0" eaLnBrk="1" latinLnBrk="0" hangingPunct="1">
+              <a:lnSpc>
+                <a:spcPct val="120000"/>
+              </a:lnSpc>
+              <a:spcBef>
+                <a:spcPts val="1000"/>
+              </a:spcBef>
+              <a:buFont typeface="Arial" panose="020B0604020202020204" pitchFamily="34" charset="0"/>
+              <a:buChar char="•"/>
+              <a:defRPr sz="1800" kern="1200">
+                <a:solidFill>
+                  <a:schemeClr val="tx1"/>
+                </a:solidFill>
+                <a:latin typeface="+mn-lt"/>
+                <a:ea typeface="+mn-ea"/>
+                <a:cs typeface="+mn-cs"/>
+              </a:defRPr>
+            </a:lvl1pPr>
+            <a:lvl2pPr marL="274320" indent="0" algn="l" defTabSz="914400" rtl="0" eaLnBrk="1" latinLnBrk="0" hangingPunct="1">
+              <a:lnSpc>
+                <a:spcPct val="120000"/>
+              </a:lnSpc>
+              <a:spcBef>
+                <a:spcPts val="500"/>
+              </a:spcBef>
+              <a:buFontTx/>
+              <a:buNone/>
+              <a:defRPr sz="1600" b="1" kern="1200">
+                <a:solidFill>
+                  <a:schemeClr val="tx1"/>
+                </a:solidFill>
+                <a:latin typeface="+mn-lt"/>
+                <a:ea typeface="+mn-ea"/>
+                <a:cs typeface="+mn-cs"/>
+              </a:defRPr>
+            </a:lvl2pPr>
+            <a:lvl3pPr marL="548640" indent="-228600" algn="l" defTabSz="914400" rtl="0" eaLnBrk="1" latinLnBrk="0" hangingPunct="1">
+              <a:lnSpc>
+                <a:spcPct val="120000"/>
+              </a:lnSpc>
+              <a:spcBef>
+                <a:spcPts val="500"/>
+              </a:spcBef>
+              <a:buFont typeface="Arial" panose="020B0604020202020204" pitchFamily="34" charset="0"/>
+              <a:buChar char="•"/>
+              <a:defRPr sz="1400" kern="1200">
+                <a:solidFill>
+                  <a:schemeClr val="tx1"/>
+                </a:solidFill>
+                <a:latin typeface="+mn-lt"/>
+                <a:ea typeface="+mn-ea"/>
+                <a:cs typeface="+mn-cs"/>
+              </a:defRPr>
+            </a:lvl3pPr>
+            <a:lvl4pPr marL="594360" indent="0" algn="l" defTabSz="914400" rtl="0" eaLnBrk="1" latinLnBrk="0" hangingPunct="1">
+              <a:lnSpc>
+                <a:spcPct val="120000"/>
+              </a:lnSpc>
+              <a:spcBef>
+                <a:spcPts val="500"/>
+              </a:spcBef>
+              <a:buFontTx/>
+              <a:buNone/>
+              <a:defRPr sz="1200" b="1" kern="1200">
+                <a:solidFill>
+                  <a:schemeClr val="tx1"/>
+                </a:solidFill>
+                <a:latin typeface="+mn-lt"/>
+                <a:ea typeface="+mn-ea"/>
+                <a:cs typeface="+mn-cs"/>
+              </a:defRPr>
+            </a:lvl4pPr>
+            <a:lvl5pPr marL="822960" indent="-228600" algn="l" defTabSz="914400" rtl="0" eaLnBrk="1" latinLnBrk="0" hangingPunct="1">
+              <a:lnSpc>
+                <a:spcPct val="120000"/>
+              </a:lnSpc>
+              <a:spcBef>
+                <a:spcPts val="500"/>
+              </a:spcBef>
+              <a:buFont typeface="Arial" panose="020B0604020202020204" pitchFamily="34" charset="0"/>
+              <a:buChar char="•"/>
+              <a:defRPr sz="1200" kern="1200">
+                <a:solidFill>
+                  <a:schemeClr val="tx1"/>
+                </a:solidFill>
+                <a:latin typeface="+mn-lt"/>
+                <a:ea typeface="+mn-ea"/>
+                <a:cs typeface="+mn-cs"/>
+              </a:defRPr>
+            </a:lvl5pPr>
+            <a:lvl6pPr marL="2514600" indent="-228600" algn="l" defTabSz="914400" rtl="0" eaLnBrk="1" latinLnBrk="0" hangingPunct="1">
+              <a:lnSpc>
+                <a:spcPct val="90000"/>
+              </a:lnSpc>
+              <a:spcBef>
+                <a:spcPts val="500"/>
+              </a:spcBef>
+              <a:buFont typeface="Arial" panose="020B0604020202020204" pitchFamily="34" charset="0"/>
+              <a:buChar char="•"/>
+              <a:defRPr sz="1800" kern="1200">
+                <a:solidFill>
+                  <a:schemeClr val="tx1"/>
+                </a:solidFill>
+                <a:latin typeface="+mn-lt"/>
+                <a:ea typeface="+mn-ea"/>
+                <a:cs typeface="+mn-cs"/>
+              </a:defRPr>
+            </a:lvl6pPr>
+            <a:lvl7pPr marL="2971800" indent="-228600" algn="l" defTabSz="914400" rtl="0" eaLnBrk="1" latinLnBrk="0" hangingPunct="1">
+              <a:lnSpc>
+                <a:spcPct val="90000"/>
+              </a:lnSpc>
+              <a:spcBef>
+                <a:spcPts val="500"/>
+              </a:spcBef>
+              <a:buFont typeface="Arial" panose="020B0604020202020204" pitchFamily="34" charset="0"/>
+              <a:buChar char="•"/>
+              <a:defRPr sz="1800" kern="1200">
+                <a:solidFill>
+                  <a:schemeClr val="tx1"/>
+                </a:solidFill>
+                <a:latin typeface="+mn-lt"/>
+                <a:ea typeface="+mn-ea"/>
+                <a:cs typeface="+mn-cs"/>
+              </a:defRPr>
+            </a:lvl7pPr>
+            <a:lvl8pPr marL="3429000" indent="-228600" algn="l" defTabSz="914400" rtl="0" eaLnBrk="1" latinLnBrk="0" hangingPunct="1">
+              <a:lnSpc>
+                <a:spcPct val="90000"/>
+              </a:lnSpc>
+              <a:spcBef>
+                <a:spcPts val="500"/>
+              </a:spcBef>
+              <a:buFont typeface="Arial" panose="020B0604020202020204" pitchFamily="34" charset="0"/>
+              <a:buChar char="•"/>
+              <a:defRPr sz="1800" kern="1200">
+                <a:solidFill>
+                  <a:schemeClr val="tx1"/>
+                </a:solidFill>
+                <a:latin typeface="+mn-lt"/>
+                <a:ea typeface="+mn-ea"/>
+                <a:cs typeface="+mn-cs"/>
+              </a:defRPr>
+            </a:lvl8pPr>
+            <a:lvl9pPr marL="3886200" indent="-228600" algn="l" defTabSz="914400" rtl="0" eaLnBrk="1" latinLnBrk="0" hangingPunct="1">
+              <a:lnSpc>
+                <a:spcPct val="90000"/>
+              </a:lnSpc>
+              <a:spcBef>
+                <a:spcPts val="500"/>
+              </a:spcBef>
+              <a:buFont typeface="Arial" panose="020B0604020202020204" pitchFamily="34" charset="0"/>
+              <a:buChar char="•"/>
+              <a:defRPr sz="1800" kern="1200">
+                <a:solidFill>
+                  <a:schemeClr val="tx1"/>
+                </a:solidFill>
+                <a:latin typeface="+mn-lt"/>
+                <a:ea typeface="+mn-ea"/>
+                <a:cs typeface="+mn-cs"/>
+              </a:defRPr>
+            </a:lvl9pPr>
+          </a:lstStyle>
+          <a:p>
+            <a:r>
+              <a:rPr lang="pt-BR" sz="2800" dirty="0"/>
+              <a:t>Os capacitores são largamente utilizados em circuitos eletrônicos, geralmente com a função de estabilizar a tensão no circuito </a:t>
+            </a:r>
+          </a:p>
+          <a:p>
+            <a:r>
+              <a:rPr lang="pt-BR" sz="2800" dirty="0"/>
+              <a:t>O ε é a permissividade do vácuo. Se alterar os componentes, alteramos a permissividade . Alterando a capacidade do capacitor.</a:t>
+            </a:r>
+            <a:endParaRPr lang="pt-BR" sz="2000" dirty="0"/>
+          </a:p>
+        </p:txBody>
+      </p:sp>
+    </p:spTree>
+    <p:extLst>
+      <p:ext uri="{BB962C8B-B14F-4D97-AF65-F5344CB8AC3E}">
+        <p14:creationId xmlns:p14="http://schemas.microsoft.com/office/powerpoint/2010/main" val="1585448749"/>
+      </p:ext>
+    </p:extLst>
+  </p:cSld>
+  <p:clrMapOvr>
+    <a:masterClrMapping/>
+  </p:clrMapOvr>
+  <mc:AlternateContent xmlns:mc="http://schemas.openxmlformats.org/markup-compatibility/2006">
+    <mc:Choice xmlns:p159="http://schemas.microsoft.com/office/powerpoint/2015/09/main" Requires="p159">
+      <p:transition xmlns:p14="http://schemas.microsoft.com/office/powerpoint/2010/main" spd="slow" p14:dur="2000">
+        <p159:morph option="byObject"/>
+      </p:transition>
+    </mc:Choice>
+    <mc:Fallback>
+      <p:transition spd="slow">
+        <p:fade/>
+      </p:transition>
+    </mc:Fallback>
+  </mc:AlternateContent>
+</p:sld>
+</file>
+
+<file path=ppt/slides/slide7.xml><?xml version="1.0" encoding="utf-8"?>
+<p:sld xmlns:a="http://schemas.openxmlformats.org/drawingml/2006/main" xmlns:r="http://schemas.openxmlformats.org/officeDocument/2006/relationships" xmlns:p="http://schemas.openxmlformats.org/presentationml/2006/main">
+  <p:cSld>
+    <p:spTree>
+      <p:nvGrpSpPr>
+        <p:cNvPr id="1" name="">
+          <a:extLst>
+            <a:ext uri="{FF2B5EF4-FFF2-40B4-BE49-F238E27FC236}">
+              <a16:creationId xmlns:a16="http://schemas.microsoft.com/office/drawing/2014/main" id="{D006EC42-B105-F249-5103-22DA85692BF9}"/>
+            </a:ext>
+          </a:extLst>
+        </p:cNvPr>
+        <p:cNvGrpSpPr/>
+        <p:nvPr/>
+      </p:nvGrpSpPr>
+      <p:grpSpPr>
+        <a:xfrm>
+          <a:off x="0" y="0"/>
+          <a:ext cx="0" cy="0"/>
+          <a:chOff x="0" y="0"/>
+          <a:chExt cx="0" cy="0"/>
+        </a:xfrm>
+      </p:grpSpPr>
+      <p:sp>
+        <p:nvSpPr>
+          <p:cNvPr id="2" name="Título 1">
+            <a:extLst>
+              <a:ext uri="{FF2B5EF4-FFF2-40B4-BE49-F238E27FC236}">
+                <a16:creationId xmlns:a16="http://schemas.microsoft.com/office/drawing/2014/main" id="{E3D8860E-DD16-3F8B-81D1-D3F110CF5BB0}"/>
+              </a:ext>
+            </a:extLst>
+          </p:cNvPr>
+          <p:cNvSpPr>
+            <a:spLocks noGrp="1"/>
+          </p:cNvSpPr>
+          <p:nvPr>
+            <p:ph type="title"/>
+          </p:nvPr>
+        </p:nvSpPr>
+        <p:spPr/>
+        <p:txBody>
+          <a:bodyPr/>
+          <a:lstStyle/>
+          <a:p>
+            <a:r>
+              <a:rPr lang="pt-BR" dirty="0"/>
+              <a:t>Conceito</a:t>
+            </a:r>
+          </a:p>
+        </p:txBody>
+      </p:sp>
+      <p:sp>
+        <p:nvSpPr>
+          <p:cNvPr id="3" name="Espaço Reservado para Conteúdo 2">
+            <a:extLst>
+              <a:ext uri="{FF2B5EF4-FFF2-40B4-BE49-F238E27FC236}">
+                <a16:creationId xmlns:a16="http://schemas.microsoft.com/office/drawing/2014/main" id="{BE6459BE-08CE-F483-39DA-D6270E3F75DE}"/>
+              </a:ext>
+            </a:extLst>
+          </p:cNvPr>
+          <p:cNvSpPr>
+            <a:spLocks noGrp="1"/>
+          </p:cNvSpPr>
+          <p:nvPr>
+            <p:ph idx="1"/>
+          </p:nvPr>
+        </p:nvSpPr>
+        <p:spPr>
+          <a:xfrm>
+            <a:off x="1077363" y="-5005871"/>
+            <a:ext cx="10300790" cy="3513514"/>
+          </a:xfrm>
+        </p:spPr>
+        <p:txBody>
+          <a:bodyPr>
+            <a:normAutofit/>
+          </a:bodyPr>
+          <a:lstStyle/>
+          <a:p>
+            <a:r>
+              <a:rPr lang="pt-BR" sz="2800" dirty="0"/>
+              <a:t>Resistores e capacitores são os componentes mais comuns nos circuitos elétricos.</a:t>
+            </a:r>
+          </a:p>
+          <a:p>
+            <a:r>
+              <a:rPr lang="pt-BR" sz="2800" dirty="0"/>
+              <a:t> Entre as principais aplicações podemos citar: Sistemas de comunicação, sistemas de potência, filtros e memória dinâmica de computadores</a:t>
+            </a:r>
+            <a:endParaRPr lang="pt-BR" sz="2000" dirty="0"/>
+          </a:p>
+        </p:txBody>
+      </p:sp>
+      <p:sp>
+        <p:nvSpPr>
+          <p:cNvPr id="9" name="Espaço Reservado para Conteúdo 2">
+            <a:extLst>
+              <a:ext uri="{FF2B5EF4-FFF2-40B4-BE49-F238E27FC236}">
+                <a16:creationId xmlns:a16="http://schemas.microsoft.com/office/drawing/2014/main" id="{480E4223-D191-2AE7-CDFD-F4EE0E6C3B70}"/>
+              </a:ext>
+            </a:extLst>
+          </p:cNvPr>
+          <p:cNvSpPr txBox="1">
+            <a:spLocks/>
+          </p:cNvSpPr>
+          <p:nvPr/>
+        </p:nvSpPr>
+        <p:spPr>
+          <a:xfrm>
+            <a:off x="5326143" y="2427316"/>
+            <a:ext cx="6052009" cy="3513514"/>
+          </a:xfrm>
+          <a:prstGeom prst="rect">
+            <a:avLst/>
+          </a:prstGeom>
+        </p:spPr>
+        <p:txBody>
+          <a:bodyPr vert="horz" lIns="91440" tIns="45720" rIns="91440" bIns="45720" rtlCol="0">
+            <a:normAutofit/>
+          </a:bodyPr>
+          <a:lstStyle>
+            <a:lvl1pPr marL="228600" indent="-228600" algn="l" defTabSz="914400" rtl="0" eaLnBrk="1" latinLnBrk="0" hangingPunct="1">
+              <a:lnSpc>
+                <a:spcPct val="120000"/>
+              </a:lnSpc>
+              <a:spcBef>
+                <a:spcPts val="1000"/>
+              </a:spcBef>
+              <a:buFont typeface="Arial" panose="020B0604020202020204" pitchFamily="34" charset="0"/>
+              <a:buChar char="•"/>
+              <a:defRPr sz="1800" kern="1200">
+                <a:solidFill>
+                  <a:schemeClr val="tx1"/>
+                </a:solidFill>
+                <a:latin typeface="+mn-lt"/>
+                <a:ea typeface="+mn-ea"/>
+                <a:cs typeface="+mn-cs"/>
+              </a:defRPr>
+            </a:lvl1pPr>
+            <a:lvl2pPr marL="274320" indent="0" algn="l" defTabSz="914400" rtl="0" eaLnBrk="1" latinLnBrk="0" hangingPunct="1">
+              <a:lnSpc>
+                <a:spcPct val="120000"/>
+              </a:lnSpc>
+              <a:spcBef>
+                <a:spcPts val="500"/>
+              </a:spcBef>
+              <a:buFontTx/>
+              <a:buNone/>
+              <a:defRPr sz="1600" b="1" kern="1200">
+                <a:solidFill>
+                  <a:schemeClr val="tx1"/>
+                </a:solidFill>
+                <a:latin typeface="+mn-lt"/>
+                <a:ea typeface="+mn-ea"/>
+                <a:cs typeface="+mn-cs"/>
+              </a:defRPr>
+            </a:lvl2pPr>
+            <a:lvl3pPr marL="548640" indent="-228600" algn="l" defTabSz="914400" rtl="0" eaLnBrk="1" latinLnBrk="0" hangingPunct="1">
+              <a:lnSpc>
+                <a:spcPct val="120000"/>
+              </a:lnSpc>
+              <a:spcBef>
+                <a:spcPts val="500"/>
+              </a:spcBef>
+              <a:buFont typeface="Arial" panose="020B0604020202020204" pitchFamily="34" charset="0"/>
+              <a:buChar char="•"/>
+              <a:defRPr sz="1400" kern="1200">
+                <a:solidFill>
+                  <a:schemeClr val="tx1"/>
+                </a:solidFill>
+                <a:latin typeface="+mn-lt"/>
+                <a:ea typeface="+mn-ea"/>
+                <a:cs typeface="+mn-cs"/>
+              </a:defRPr>
+            </a:lvl3pPr>
+            <a:lvl4pPr marL="594360" indent="0" algn="l" defTabSz="914400" rtl="0" eaLnBrk="1" latinLnBrk="0" hangingPunct="1">
+              <a:lnSpc>
+                <a:spcPct val="120000"/>
+              </a:lnSpc>
+              <a:spcBef>
+                <a:spcPts val="500"/>
+              </a:spcBef>
+              <a:buFontTx/>
+              <a:buNone/>
+              <a:defRPr sz="1200" b="1" kern="1200">
+                <a:solidFill>
+                  <a:schemeClr val="tx1"/>
+                </a:solidFill>
+                <a:latin typeface="+mn-lt"/>
+                <a:ea typeface="+mn-ea"/>
+                <a:cs typeface="+mn-cs"/>
+              </a:defRPr>
+            </a:lvl4pPr>
+            <a:lvl5pPr marL="822960" indent="-228600" algn="l" defTabSz="914400" rtl="0" eaLnBrk="1" latinLnBrk="0" hangingPunct="1">
+              <a:lnSpc>
+                <a:spcPct val="120000"/>
+              </a:lnSpc>
+              <a:spcBef>
+                <a:spcPts val="500"/>
+              </a:spcBef>
+              <a:buFont typeface="Arial" panose="020B0604020202020204" pitchFamily="34" charset="0"/>
+              <a:buChar char="•"/>
+              <a:defRPr sz="1200" kern="1200">
+                <a:solidFill>
+                  <a:schemeClr val="tx1"/>
+                </a:solidFill>
+                <a:latin typeface="+mn-lt"/>
+                <a:ea typeface="+mn-ea"/>
+                <a:cs typeface="+mn-cs"/>
+              </a:defRPr>
+            </a:lvl5pPr>
+            <a:lvl6pPr marL="2514600" indent="-228600" algn="l" defTabSz="914400" rtl="0" eaLnBrk="1" latinLnBrk="0" hangingPunct="1">
+              <a:lnSpc>
+                <a:spcPct val="90000"/>
+              </a:lnSpc>
+              <a:spcBef>
+                <a:spcPts val="500"/>
+              </a:spcBef>
+              <a:buFont typeface="Arial" panose="020B0604020202020204" pitchFamily="34" charset="0"/>
+              <a:buChar char="•"/>
+              <a:defRPr sz="1800" kern="1200">
+                <a:solidFill>
+                  <a:schemeClr val="tx1"/>
+                </a:solidFill>
+                <a:latin typeface="+mn-lt"/>
+                <a:ea typeface="+mn-ea"/>
+                <a:cs typeface="+mn-cs"/>
+              </a:defRPr>
+            </a:lvl6pPr>
+            <a:lvl7pPr marL="2971800" indent="-228600" algn="l" defTabSz="914400" rtl="0" eaLnBrk="1" latinLnBrk="0" hangingPunct="1">
+              <a:lnSpc>
+                <a:spcPct val="90000"/>
+              </a:lnSpc>
+              <a:spcBef>
+                <a:spcPts val="500"/>
+              </a:spcBef>
+              <a:buFont typeface="Arial" panose="020B0604020202020204" pitchFamily="34" charset="0"/>
+              <a:buChar char="•"/>
+              <a:defRPr sz="1800" kern="1200">
+                <a:solidFill>
+                  <a:schemeClr val="tx1"/>
+                </a:solidFill>
+                <a:latin typeface="+mn-lt"/>
+                <a:ea typeface="+mn-ea"/>
+                <a:cs typeface="+mn-cs"/>
+              </a:defRPr>
+            </a:lvl7pPr>
+            <a:lvl8pPr marL="3429000" indent="-228600" algn="l" defTabSz="914400" rtl="0" eaLnBrk="1" latinLnBrk="0" hangingPunct="1">
+              <a:lnSpc>
+                <a:spcPct val="90000"/>
+              </a:lnSpc>
+              <a:spcBef>
+                <a:spcPts val="500"/>
+              </a:spcBef>
+              <a:buFont typeface="Arial" panose="020B0604020202020204" pitchFamily="34" charset="0"/>
+              <a:buChar char="•"/>
+              <a:defRPr sz="1800" kern="1200">
+                <a:solidFill>
+                  <a:schemeClr val="tx1"/>
+                </a:solidFill>
+                <a:latin typeface="+mn-lt"/>
+                <a:ea typeface="+mn-ea"/>
+                <a:cs typeface="+mn-cs"/>
+              </a:defRPr>
+            </a:lvl8pPr>
+            <a:lvl9pPr marL="3886200" indent="-228600" algn="l" defTabSz="914400" rtl="0" eaLnBrk="1" latinLnBrk="0" hangingPunct="1">
+              <a:lnSpc>
+                <a:spcPct val="90000"/>
+              </a:lnSpc>
+              <a:spcBef>
+                <a:spcPts val="500"/>
+              </a:spcBef>
+              <a:buFont typeface="Arial" panose="020B0604020202020204" pitchFamily="34" charset="0"/>
+              <a:buChar char="•"/>
+              <a:defRPr sz="1800" kern="1200">
+                <a:solidFill>
+                  <a:schemeClr val="tx1"/>
+                </a:solidFill>
+                <a:latin typeface="+mn-lt"/>
+                <a:ea typeface="+mn-ea"/>
+                <a:cs typeface="+mn-cs"/>
+              </a:defRPr>
+            </a:lvl9pPr>
+          </a:lstStyle>
+          <a:p>
+            <a:r>
+              <a:rPr lang="pt-BR" sz="2800" dirty="0"/>
+              <a:t>A capacidade de armazenamento de um capacitor define o que denominamos "Capacitância"  de um capacitor</a:t>
+            </a:r>
+            <a:endParaRPr lang="pt-BR" sz="2000" dirty="0"/>
+          </a:p>
+        </p:txBody>
+      </p:sp>
+      <p:pic>
+        <p:nvPicPr>
+          <p:cNvPr id="5" name="Imagem 4">
+            <a:extLst>
+              <a:ext uri="{FF2B5EF4-FFF2-40B4-BE49-F238E27FC236}">
+                <a16:creationId xmlns:a16="http://schemas.microsoft.com/office/drawing/2014/main" id="{A35CE433-AC3C-9456-842C-414E2E414F54}"/>
+              </a:ext>
+            </a:extLst>
+          </p:cNvPr>
+          <p:cNvPicPr>
+            <a:picLocks noChangeAspect="1"/>
+          </p:cNvPicPr>
+          <p:nvPr/>
+        </p:nvPicPr>
+        <p:blipFill>
+          <a:blip r:embed="rId2"/>
+          <a:stretch>
+            <a:fillRect/>
+          </a:stretch>
+        </p:blipFill>
+        <p:spPr>
+          <a:xfrm>
+            <a:off x="1077362" y="2260696"/>
+            <a:ext cx="4014013" cy="3950298"/>
+          </a:xfrm>
+          <a:prstGeom prst="rect">
+            <a:avLst/>
+          </a:prstGeom>
+        </p:spPr>
+      </p:pic>
+    </p:spTree>
+    <p:extLst>
+      <p:ext uri="{BB962C8B-B14F-4D97-AF65-F5344CB8AC3E}">
+        <p14:creationId xmlns:p14="http://schemas.microsoft.com/office/powerpoint/2010/main" val="3683448880"/>
+      </p:ext>
+    </p:extLst>
+  </p:cSld>
+  <p:clrMapOvr>
+    <a:masterClrMapping/>
+  </p:clrMapOvr>
+  <mc:AlternateContent xmlns:mc="http://schemas.openxmlformats.org/markup-compatibility/2006">
+    <mc:Choice xmlns:p159="http://schemas.microsoft.com/office/powerpoint/2015/09/main" Requires="p159">
+      <p:transition xmlns:p14="http://schemas.microsoft.com/office/powerpoint/2010/main" spd="slow" p14:dur="2000">
+        <p159:morph option="byObject"/>
+      </p:transition>
+    </mc:Choice>
+    <mc:Fallback>
+      <p:transition spd="slow">
+        <p:fade/>
+      </p:transition>
+    </mc:Fallback>
+  </mc:AlternateContent>
+</p:sld>
+</file>
+
+<file path=ppt/slides/slide8.xml><?xml version="1.0" encoding="utf-8"?>
+<p:sld xmlns:a="http://schemas.openxmlformats.org/drawingml/2006/main" xmlns:r="http://schemas.openxmlformats.org/officeDocument/2006/relationships" xmlns:p="http://schemas.openxmlformats.org/presentationml/2006/main">
+  <p:cSld>
+    <p:spTree>
+      <p:nvGrpSpPr>
+        <p:cNvPr id="1" name="">
+          <a:extLst>
+            <a:ext uri="{FF2B5EF4-FFF2-40B4-BE49-F238E27FC236}">
+              <a16:creationId xmlns:a16="http://schemas.microsoft.com/office/drawing/2014/main" id="{D006EC42-B105-F249-5103-22DA85692BF9}"/>
+            </a:ext>
+          </a:extLst>
+        </p:cNvPr>
+        <p:cNvGrpSpPr/>
+        <p:nvPr/>
+      </p:nvGrpSpPr>
+      <p:grpSpPr>
+        <a:xfrm>
+          <a:off x="0" y="0"/>
+          <a:ext cx="0" cy="0"/>
+          <a:chOff x="0" y="0"/>
+          <a:chExt cx="0" cy="0"/>
+        </a:xfrm>
+      </p:grpSpPr>
+      <p:sp>
+        <p:nvSpPr>
+          <p:cNvPr id="2" name="Título 1">
+            <a:extLst>
+              <a:ext uri="{FF2B5EF4-FFF2-40B4-BE49-F238E27FC236}">
+                <a16:creationId xmlns:a16="http://schemas.microsoft.com/office/drawing/2014/main" id="{E3D8860E-DD16-3F8B-81D1-D3F110CF5BB0}"/>
+              </a:ext>
+            </a:extLst>
+          </p:cNvPr>
+          <p:cNvSpPr>
+            <a:spLocks noGrp="1"/>
+          </p:cNvSpPr>
+          <p:nvPr>
+            <p:ph type="title"/>
+          </p:nvPr>
+        </p:nvSpPr>
+        <p:spPr/>
+        <p:txBody>
+          <a:bodyPr/>
+          <a:lstStyle/>
+          <a:p>
+            <a:r>
+              <a:rPr lang="pt-BR" dirty="0"/>
+              <a:t>Exercício </a:t>
+            </a:r>
+          </a:p>
+        </p:txBody>
+      </p:sp>
+      <p:sp>
+        <p:nvSpPr>
+          <p:cNvPr id="3" name="Espaço Reservado para Conteúdo 2">
+            <a:extLst>
+              <a:ext uri="{FF2B5EF4-FFF2-40B4-BE49-F238E27FC236}">
+                <a16:creationId xmlns:a16="http://schemas.microsoft.com/office/drawing/2014/main" id="{BE6459BE-08CE-F483-39DA-D6270E3F75DE}"/>
+              </a:ext>
+            </a:extLst>
+          </p:cNvPr>
+          <p:cNvSpPr>
+            <a:spLocks noGrp="1"/>
+          </p:cNvSpPr>
+          <p:nvPr>
+            <p:ph idx="1"/>
+          </p:nvPr>
+        </p:nvSpPr>
+        <p:spPr>
+          <a:xfrm>
+            <a:off x="1077363" y="-5005871"/>
+            <a:ext cx="10300790" cy="3513514"/>
+          </a:xfrm>
+        </p:spPr>
+        <p:txBody>
+          <a:bodyPr>
+            <a:normAutofit/>
+          </a:bodyPr>
+          <a:lstStyle/>
+          <a:p>
+            <a:r>
+              <a:rPr lang="pt-BR" sz="2800" dirty="0"/>
+              <a:t>Resistores e capacitores são os componentes mais comuns nos circuitos elétricos.</a:t>
+            </a:r>
+          </a:p>
+          <a:p>
+            <a:r>
+              <a:rPr lang="pt-BR" sz="2800" dirty="0"/>
+              <a:t> Entre as principais aplicações podemos citar: Sistemas de comunicação, sistemas de potência, filtros e memória dinâmica de computadores</a:t>
+            </a:r>
+            <a:endParaRPr lang="pt-BR" sz="2000" dirty="0"/>
+          </a:p>
+        </p:txBody>
+      </p:sp>
+      <p:sp>
+        <p:nvSpPr>
+          <p:cNvPr id="9" name="Espaço Reservado para Conteúdo 2">
+            <a:extLst>
+              <a:ext uri="{FF2B5EF4-FFF2-40B4-BE49-F238E27FC236}">
+                <a16:creationId xmlns:a16="http://schemas.microsoft.com/office/drawing/2014/main" id="{480E4223-D191-2AE7-CDFD-F4EE0E6C3B70}"/>
+              </a:ext>
+            </a:extLst>
+          </p:cNvPr>
+          <p:cNvSpPr txBox="1">
+            <a:spLocks/>
+          </p:cNvSpPr>
+          <p:nvPr/>
+        </p:nvSpPr>
+        <p:spPr>
+          <a:xfrm>
+            <a:off x="1077363" y="2427316"/>
+            <a:ext cx="10300790" cy="3513514"/>
+          </a:xfrm>
+          <a:prstGeom prst="rect">
+            <a:avLst/>
+          </a:prstGeom>
+        </p:spPr>
+        <p:txBody>
+          <a:bodyPr vert="horz" lIns="91440" tIns="45720" rIns="91440" bIns="45720" rtlCol="0">
+            <a:normAutofit/>
+          </a:bodyPr>
+          <a:lstStyle>
+            <a:lvl1pPr marL="228600" indent="-228600" algn="l" defTabSz="914400" rtl="0" eaLnBrk="1" latinLnBrk="0" hangingPunct="1">
+              <a:lnSpc>
+                <a:spcPct val="120000"/>
+              </a:lnSpc>
+              <a:spcBef>
+                <a:spcPts val="1000"/>
+              </a:spcBef>
+              <a:buFont typeface="Arial" panose="020B0604020202020204" pitchFamily="34" charset="0"/>
+              <a:buChar char="•"/>
+              <a:defRPr sz="1800" kern="1200">
+                <a:solidFill>
+                  <a:schemeClr val="tx1"/>
+                </a:solidFill>
+                <a:latin typeface="+mn-lt"/>
+                <a:ea typeface="+mn-ea"/>
+                <a:cs typeface="+mn-cs"/>
+              </a:defRPr>
+            </a:lvl1pPr>
+            <a:lvl2pPr marL="274320" indent="0" algn="l" defTabSz="914400" rtl="0" eaLnBrk="1" latinLnBrk="0" hangingPunct="1">
+              <a:lnSpc>
+                <a:spcPct val="120000"/>
+              </a:lnSpc>
+              <a:spcBef>
+                <a:spcPts val="500"/>
+              </a:spcBef>
+              <a:buFontTx/>
+              <a:buNone/>
+              <a:defRPr sz="1600" b="1" kern="1200">
+                <a:solidFill>
+                  <a:schemeClr val="tx1"/>
+                </a:solidFill>
+                <a:latin typeface="+mn-lt"/>
+                <a:ea typeface="+mn-ea"/>
+                <a:cs typeface="+mn-cs"/>
+              </a:defRPr>
+            </a:lvl2pPr>
+            <a:lvl3pPr marL="548640" indent="-228600" algn="l" defTabSz="914400" rtl="0" eaLnBrk="1" latinLnBrk="0" hangingPunct="1">
+              <a:lnSpc>
+                <a:spcPct val="120000"/>
+              </a:lnSpc>
+              <a:spcBef>
+                <a:spcPts val="500"/>
+              </a:spcBef>
+              <a:buFont typeface="Arial" panose="020B0604020202020204" pitchFamily="34" charset="0"/>
+              <a:buChar char="•"/>
+              <a:defRPr sz="1400" kern="1200">
+                <a:solidFill>
+                  <a:schemeClr val="tx1"/>
+                </a:solidFill>
+                <a:latin typeface="+mn-lt"/>
+                <a:ea typeface="+mn-ea"/>
+                <a:cs typeface="+mn-cs"/>
+              </a:defRPr>
+            </a:lvl3pPr>
+            <a:lvl4pPr marL="594360" indent="0" algn="l" defTabSz="914400" rtl="0" eaLnBrk="1" latinLnBrk="0" hangingPunct="1">
+              <a:lnSpc>
+                <a:spcPct val="120000"/>
+              </a:lnSpc>
+              <a:spcBef>
+                <a:spcPts val="500"/>
+              </a:spcBef>
+              <a:buFontTx/>
+              <a:buNone/>
+              <a:defRPr sz="1200" b="1" kern="1200">
+                <a:solidFill>
+                  <a:schemeClr val="tx1"/>
+                </a:solidFill>
+                <a:latin typeface="+mn-lt"/>
+                <a:ea typeface="+mn-ea"/>
+                <a:cs typeface="+mn-cs"/>
+              </a:defRPr>
+            </a:lvl4pPr>
+            <a:lvl5pPr marL="822960" indent="-228600" algn="l" defTabSz="914400" rtl="0" eaLnBrk="1" latinLnBrk="0" hangingPunct="1">
+              <a:lnSpc>
+                <a:spcPct val="120000"/>
+              </a:lnSpc>
+              <a:spcBef>
+                <a:spcPts val="500"/>
+              </a:spcBef>
+              <a:buFont typeface="Arial" panose="020B0604020202020204" pitchFamily="34" charset="0"/>
+              <a:buChar char="•"/>
+              <a:defRPr sz="1200" kern="1200">
+                <a:solidFill>
+                  <a:schemeClr val="tx1"/>
+                </a:solidFill>
+                <a:latin typeface="+mn-lt"/>
+                <a:ea typeface="+mn-ea"/>
+                <a:cs typeface="+mn-cs"/>
+              </a:defRPr>
+            </a:lvl5pPr>
+            <a:lvl6pPr marL="2514600" indent="-228600" algn="l" defTabSz="914400" rtl="0" eaLnBrk="1" latinLnBrk="0" hangingPunct="1">
+              <a:lnSpc>
+                <a:spcPct val="90000"/>
+              </a:lnSpc>
+              <a:spcBef>
+                <a:spcPts val="500"/>
+              </a:spcBef>
+              <a:buFont typeface="Arial" panose="020B0604020202020204" pitchFamily="34" charset="0"/>
+              <a:buChar char="•"/>
+              <a:defRPr sz="1800" kern="1200">
+                <a:solidFill>
+                  <a:schemeClr val="tx1"/>
+                </a:solidFill>
+                <a:latin typeface="+mn-lt"/>
+                <a:ea typeface="+mn-ea"/>
+                <a:cs typeface="+mn-cs"/>
+              </a:defRPr>
+            </a:lvl6pPr>
+            <a:lvl7pPr marL="2971800" indent="-228600" algn="l" defTabSz="914400" rtl="0" eaLnBrk="1" latinLnBrk="0" hangingPunct="1">
+              <a:lnSpc>
+                <a:spcPct val="90000"/>
+              </a:lnSpc>
+              <a:spcBef>
+                <a:spcPts val="500"/>
+              </a:spcBef>
+              <a:buFont typeface="Arial" panose="020B0604020202020204" pitchFamily="34" charset="0"/>
+              <a:buChar char="•"/>
+              <a:defRPr sz="1800" kern="1200">
+                <a:solidFill>
+                  <a:schemeClr val="tx1"/>
+                </a:solidFill>
+                <a:latin typeface="+mn-lt"/>
+                <a:ea typeface="+mn-ea"/>
+                <a:cs typeface="+mn-cs"/>
+              </a:defRPr>
+            </a:lvl7pPr>
+            <a:lvl8pPr marL="3429000" indent="-228600" algn="l" defTabSz="914400" rtl="0" eaLnBrk="1" latinLnBrk="0" hangingPunct="1">
+              <a:lnSpc>
+                <a:spcPct val="90000"/>
+              </a:lnSpc>
+              <a:spcBef>
+                <a:spcPts val="500"/>
+              </a:spcBef>
+              <a:buFont typeface="Arial" panose="020B0604020202020204" pitchFamily="34" charset="0"/>
+              <a:buChar char="•"/>
+              <a:defRPr sz="1800" kern="1200">
+                <a:solidFill>
+                  <a:schemeClr val="tx1"/>
+                </a:solidFill>
+                <a:latin typeface="+mn-lt"/>
+                <a:ea typeface="+mn-ea"/>
+                <a:cs typeface="+mn-cs"/>
+              </a:defRPr>
+            </a:lvl8pPr>
+            <a:lvl9pPr marL="3886200" indent="-228600" algn="l" defTabSz="914400" rtl="0" eaLnBrk="1" latinLnBrk="0" hangingPunct="1">
+              <a:lnSpc>
+                <a:spcPct val="90000"/>
+              </a:lnSpc>
+              <a:spcBef>
+                <a:spcPts val="500"/>
+              </a:spcBef>
+              <a:buFont typeface="Arial" panose="020B0604020202020204" pitchFamily="34" charset="0"/>
+              <a:buChar char="•"/>
+              <a:defRPr sz="1800" kern="1200">
+                <a:solidFill>
+                  <a:schemeClr val="tx1"/>
+                </a:solidFill>
+                <a:latin typeface="+mn-lt"/>
+                <a:ea typeface="+mn-ea"/>
+                <a:cs typeface="+mn-cs"/>
+              </a:defRPr>
+            </a:lvl9pPr>
+          </a:lstStyle>
+          <a:p>
+            <a:r>
+              <a:rPr lang="pt-BR" sz="2800" b="0" i="0" dirty="0">
+                <a:solidFill>
+                  <a:schemeClr val="tx2"/>
+                </a:solidFill>
+                <a:effectLst/>
+                <a:latin typeface="Söhne"/>
+              </a:rPr>
+              <a:t>Você tem um circuito RC em série composto por um resistor de </a:t>
+            </a:r>
+            <a:r>
+              <a:rPr lang="pt-BR" sz="2800" b="0" i="0" dirty="0">
+                <a:solidFill>
+                  <a:schemeClr val="tx2"/>
+                </a:solidFill>
+                <a:effectLst/>
+                <a:latin typeface="KaTeX_Main"/>
+              </a:rPr>
+              <a:t>4 </a:t>
+            </a:r>
+            <a:r>
+              <a:rPr lang="pt-BR" sz="2800" b="0" i="0" dirty="0" err="1">
+                <a:solidFill>
+                  <a:schemeClr val="tx2"/>
+                </a:solidFill>
+                <a:effectLst/>
+                <a:latin typeface="KaTeX_Main"/>
+              </a:rPr>
+              <a:t>kΩ</a:t>
+            </a:r>
+            <a:r>
+              <a:rPr lang="pt-BR" sz="2800" b="0" i="0" dirty="0">
+                <a:solidFill>
+                  <a:schemeClr val="tx2"/>
+                </a:solidFill>
+                <a:effectLst/>
+                <a:latin typeface="Söhne"/>
+              </a:rPr>
+              <a:t> e um capacitor de </a:t>
+            </a:r>
+            <a:r>
+              <a:rPr lang="pt-BR" sz="2800" b="0" i="0" dirty="0">
+                <a:solidFill>
+                  <a:schemeClr val="tx2"/>
+                </a:solidFill>
+                <a:effectLst/>
+                <a:latin typeface="KaTeX_Main"/>
+              </a:rPr>
+              <a:t>1</a:t>
+            </a:r>
+            <a:r>
+              <a:rPr lang="pt-BR" sz="2800" b="0" i="1" dirty="0">
+                <a:solidFill>
+                  <a:schemeClr val="tx2"/>
+                </a:solidFill>
+                <a:effectLst/>
+                <a:latin typeface="KaTeX_Math"/>
+              </a:rPr>
+              <a:t>μ</a:t>
+            </a:r>
+            <a:r>
+              <a:rPr lang="pt-BR" sz="2800" b="0" i="0" dirty="0">
+                <a:solidFill>
+                  <a:schemeClr val="tx2"/>
+                </a:solidFill>
+                <a:effectLst/>
+                <a:latin typeface="KaTeX_Main"/>
+              </a:rPr>
+              <a:t>F</a:t>
+            </a:r>
+            <a:r>
+              <a:rPr lang="pt-BR" sz="2800" b="0" i="0" dirty="0">
+                <a:solidFill>
+                  <a:schemeClr val="tx2"/>
+                </a:solidFill>
+                <a:effectLst/>
+                <a:latin typeface="Söhne"/>
+              </a:rPr>
+              <a:t>, conectados a uma fonte de tensão de </a:t>
+            </a:r>
+            <a:r>
+              <a:rPr lang="pt-BR" sz="2800" b="0" i="0" dirty="0">
+                <a:solidFill>
+                  <a:schemeClr val="tx2"/>
+                </a:solidFill>
+                <a:effectLst/>
+                <a:latin typeface="KaTeX_Main"/>
+              </a:rPr>
+              <a:t>5V</a:t>
+            </a:r>
+            <a:r>
+              <a:rPr lang="pt-BR" sz="2800" b="0" i="0" dirty="0">
+                <a:solidFill>
+                  <a:schemeClr val="tx2"/>
+                </a:solidFill>
+                <a:effectLst/>
+                <a:latin typeface="Söhne"/>
+              </a:rPr>
+              <a:t>. O capacitor está inicialmente descarregado. Qual é a tensão no capacitor após </a:t>
+            </a:r>
+            <a:r>
+              <a:rPr lang="pt-BR" sz="2800" b="0" i="0" dirty="0">
+                <a:solidFill>
+                  <a:schemeClr val="tx2"/>
+                </a:solidFill>
+                <a:effectLst/>
+                <a:latin typeface="KaTeX_Main"/>
+              </a:rPr>
+              <a:t>5ms</a:t>
+            </a:r>
+            <a:r>
+              <a:rPr lang="pt-BR" sz="2800" b="0" i="0" dirty="0">
+                <a:solidFill>
+                  <a:schemeClr val="tx2"/>
+                </a:solidFill>
+                <a:effectLst/>
+                <a:latin typeface="Söhne"/>
+              </a:rPr>
+              <a:t> de conexão da fonte de tensão?</a:t>
+            </a:r>
+            <a:endParaRPr lang="pt-BR" sz="2000" dirty="0">
+              <a:solidFill>
+                <a:schemeClr val="tx2"/>
+              </a:solidFill>
+            </a:endParaRPr>
+          </a:p>
+        </p:txBody>
+      </p:sp>
+    </p:spTree>
+    <p:extLst>
+      <p:ext uri="{BB962C8B-B14F-4D97-AF65-F5344CB8AC3E}">
+        <p14:creationId xmlns:p14="http://schemas.microsoft.com/office/powerpoint/2010/main" val="1732403539"/>
       </p:ext>
     </p:extLst>
   </p:cSld>
